--- a/Angelica Landazabal - PyConCo2020.pptx
+++ b/Angelica Landazabal - PyConCo2020.pptx
@@ -132,6 +132,22 @@
       </a:defRPr>
     </a:lvl9pPr>
   </p:defaultTextStyle>
+  <p:extLst>
+    <p:ext uri="{EFAFB233-063F-42B5-8137-9DF3F51BA10A}">
+      <p15:sldGuideLst xmlns:p15="http://schemas.microsoft.com/office/powerpoint/2012/main">
+        <p15:guide id="1" orient="horz" pos="2160">
+          <p15:clr>
+            <a:srgbClr val="A4A3A4"/>
+          </p15:clr>
+        </p15:guide>
+        <p15:guide id="2" pos="2880">
+          <p15:clr>
+            <a:srgbClr val="A4A3A4"/>
+          </p15:clr>
+        </p15:guide>
+      </p15:sldGuideLst>
+    </p:ext>
+  </p:extLst>
 </p:presentation>
 </file>
 
@@ -317,7 +333,7 @@
             <a:fld id="{5858ED9B-BE88-4148-BE32-6CCB0FE6727E}" type="datetimeFigureOut">
               <a:rPr lang="da-DK" smtClean="0"/>
               <a:pPr/>
-              <a:t>27-01-2020</a:t>
+              <a:t>08-02-2020</a:t>
             </a:fld>
             <a:endParaRPr lang="da-DK"/>
           </a:p>
@@ -360,7 +376,7 @@
             <a:fld id="{AE0D638E-229E-49F8-B196-1C511525CD7C}" type="slidenum">
               <a:rPr lang="da-DK" smtClean="0"/>
               <a:pPr/>
-              <a:t>‹nr.›</a:t>
+              <a:t>‹Nº›</a:t>
             </a:fld>
             <a:endParaRPr lang="da-DK"/>
           </a:p>
@@ -369,7 +385,7 @@
     </p:spTree>
     <p:extLst>
       <p:ext uri="{BB962C8B-B14F-4D97-AF65-F5344CB8AC3E}">
-        <p14:creationId xmlns="" xmlns:p14="http://schemas.microsoft.com/office/powerpoint/2010/main" val="999997260"/>
+        <p14:creationId xmlns:p14="http://schemas.microsoft.com/office/powerpoint/2010/main" val="999997260"/>
       </p:ext>
     </p:extLst>
   </p:cSld>
@@ -489,7 +505,7 @@
             <a:fld id="{5858ED9B-BE88-4148-BE32-6CCB0FE6727E}" type="datetimeFigureOut">
               <a:rPr lang="da-DK" smtClean="0"/>
               <a:pPr/>
-              <a:t>27-01-2020</a:t>
+              <a:t>08-02-2020</a:t>
             </a:fld>
             <a:endParaRPr lang="da-DK"/>
           </a:p>
@@ -532,7 +548,7 @@
             <a:fld id="{AE0D638E-229E-49F8-B196-1C511525CD7C}" type="slidenum">
               <a:rPr lang="da-DK" smtClean="0"/>
               <a:pPr/>
-              <a:t>‹nr.›</a:t>
+              <a:t>‹Nº›</a:t>
             </a:fld>
             <a:endParaRPr lang="da-DK"/>
           </a:p>
@@ -541,7 +557,7 @@
     </p:spTree>
     <p:extLst>
       <p:ext uri="{BB962C8B-B14F-4D97-AF65-F5344CB8AC3E}">
-        <p14:creationId xmlns="" xmlns:p14="http://schemas.microsoft.com/office/powerpoint/2010/main" val="2860532121"/>
+        <p14:creationId xmlns:p14="http://schemas.microsoft.com/office/powerpoint/2010/main" val="2860532121"/>
       </p:ext>
     </p:extLst>
   </p:cSld>
@@ -671,7 +687,7 @@
             <a:fld id="{5858ED9B-BE88-4148-BE32-6CCB0FE6727E}" type="datetimeFigureOut">
               <a:rPr lang="da-DK" smtClean="0"/>
               <a:pPr/>
-              <a:t>27-01-2020</a:t>
+              <a:t>08-02-2020</a:t>
             </a:fld>
             <a:endParaRPr lang="da-DK"/>
           </a:p>
@@ -714,7 +730,7 @@
             <a:fld id="{AE0D638E-229E-49F8-B196-1C511525CD7C}" type="slidenum">
               <a:rPr lang="da-DK" smtClean="0"/>
               <a:pPr/>
-              <a:t>‹nr.›</a:t>
+              <a:t>‹Nº›</a:t>
             </a:fld>
             <a:endParaRPr lang="da-DK"/>
           </a:p>
@@ -723,7 +739,7 @@
     </p:spTree>
     <p:extLst>
       <p:ext uri="{BB962C8B-B14F-4D97-AF65-F5344CB8AC3E}">
-        <p14:creationId xmlns="" xmlns:p14="http://schemas.microsoft.com/office/powerpoint/2010/main" val="1790355907"/>
+        <p14:creationId xmlns:p14="http://schemas.microsoft.com/office/powerpoint/2010/main" val="1790355907"/>
       </p:ext>
     </p:extLst>
   </p:cSld>
@@ -843,7 +859,7 @@
             <a:fld id="{5858ED9B-BE88-4148-BE32-6CCB0FE6727E}" type="datetimeFigureOut">
               <a:rPr lang="da-DK" smtClean="0"/>
               <a:pPr/>
-              <a:t>27-01-2020</a:t>
+              <a:t>08-02-2020</a:t>
             </a:fld>
             <a:endParaRPr lang="da-DK"/>
           </a:p>
@@ -886,7 +902,7 @@
             <a:fld id="{AE0D638E-229E-49F8-B196-1C511525CD7C}" type="slidenum">
               <a:rPr lang="da-DK" smtClean="0"/>
               <a:pPr/>
-              <a:t>‹nr.›</a:t>
+              <a:t>‹Nº›</a:t>
             </a:fld>
             <a:endParaRPr lang="da-DK"/>
           </a:p>
@@ -895,7 +911,7 @@
     </p:spTree>
     <p:extLst>
       <p:ext uri="{BB962C8B-B14F-4D97-AF65-F5344CB8AC3E}">
-        <p14:creationId xmlns="" xmlns:p14="http://schemas.microsoft.com/office/powerpoint/2010/main" val="2150014447"/>
+        <p14:creationId xmlns:p14="http://schemas.microsoft.com/office/powerpoint/2010/main" val="2150014447"/>
       </p:ext>
     </p:extLst>
   </p:cSld>
@@ -1091,7 +1107,7 @@
             <a:fld id="{5858ED9B-BE88-4148-BE32-6CCB0FE6727E}" type="datetimeFigureOut">
               <a:rPr lang="da-DK" smtClean="0"/>
               <a:pPr/>
-              <a:t>27-01-2020</a:t>
+              <a:t>08-02-2020</a:t>
             </a:fld>
             <a:endParaRPr lang="da-DK"/>
           </a:p>
@@ -1134,7 +1150,7 @@
             <a:fld id="{AE0D638E-229E-49F8-B196-1C511525CD7C}" type="slidenum">
               <a:rPr lang="da-DK" smtClean="0"/>
               <a:pPr/>
-              <a:t>‹nr.›</a:t>
+              <a:t>‹Nº›</a:t>
             </a:fld>
             <a:endParaRPr lang="da-DK"/>
           </a:p>
@@ -1143,7 +1159,7 @@
     </p:spTree>
     <p:extLst>
       <p:ext uri="{BB962C8B-B14F-4D97-AF65-F5344CB8AC3E}">
-        <p14:creationId xmlns="" xmlns:p14="http://schemas.microsoft.com/office/powerpoint/2010/main" val="168620950"/>
+        <p14:creationId xmlns:p14="http://schemas.microsoft.com/office/powerpoint/2010/main" val="168620950"/>
       </p:ext>
     </p:extLst>
   </p:cSld>
@@ -1381,7 +1397,7 @@
             <a:fld id="{5858ED9B-BE88-4148-BE32-6CCB0FE6727E}" type="datetimeFigureOut">
               <a:rPr lang="da-DK" smtClean="0"/>
               <a:pPr/>
-              <a:t>27-01-2020</a:t>
+              <a:t>08-02-2020</a:t>
             </a:fld>
             <a:endParaRPr lang="da-DK"/>
           </a:p>
@@ -1424,7 +1440,7 @@
             <a:fld id="{AE0D638E-229E-49F8-B196-1C511525CD7C}" type="slidenum">
               <a:rPr lang="da-DK" smtClean="0"/>
               <a:pPr/>
-              <a:t>‹nr.›</a:t>
+              <a:t>‹Nº›</a:t>
             </a:fld>
             <a:endParaRPr lang="da-DK"/>
           </a:p>
@@ -1433,7 +1449,7 @@
     </p:spTree>
     <p:extLst>
       <p:ext uri="{BB962C8B-B14F-4D97-AF65-F5344CB8AC3E}">
-        <p14:creationId xmlns="" xmlns:p14="http://schemas.microsoft.com/office/powerpoint/2010/main" val="2289829513"/>
+        <p14:creationId xmlns:p14="http://schemas.microsoft.com/office/powerpoint/2010/main" val="2289829513"/>
       </p:ext>
     </p:extLst>
   </p:cSld>
@@ -1805,7 +1821,7 @@
             <a:fld id="{5858ED9B-BE88-4148-BE32-6CCB0FE6727E}" type="datetimeFigureOut">
               <a:rPr lang="da-DK" smtClean="0"/>
               <a:pPr/>
-              <a:t>27-01-2020</a:t>
+              <a:t>08-02-2020</a:t>
             </a:fld>
             <a:endParaRPr lang="da-DK"/>
           </a:p>
@@ -1848,7 +1864,7 @@
             <a:fld id="{AE0D638E-229E-49F8-B196-1C511525CD7C}" type="slidenum">
               <a:rPr lang="da-DK" smtClean="0"/>
               <a:pPr/>
-              <a:t>‹nr.›</a:t>
+              <a:t>‹Nº›</a:t>
             </a:fld>
             <a:endParaRPr lang="da-DK"/>
           </a:p>
@@ -1857,7 +1873,7 @@
     </p:spTree>
     <p:extLst>
       <p:ext uri="{BB962C8B-B14F-4D97-AF65-F5344CB8AC3E}">
-        <p14:creationId xmlns="" xmlns:p14="http://schemas.microsoft.com/office/powerpoint/2010/main" val="571675820"/>
+        <p14:creationId xmlns:p14="http://schemas.microsoft.com/office/powerpoint/2010/main" val="571675820"/>
       </p:ext>
     </p:extLst>
   </p:cSld>
@@ -1925,7 +1941,7 @@
             <a:fld id="{5858ED9B-BE88-4148-BE32-6CCB0FE6727E}" type="datetimeFigureOut">
               <a:rPr lang="da-DK" smtClean="0"/>
               <a:pPr/>
-              <a:t>27-01-2020</a:t>
+              <a:t>08-02-2020</a:t>
             </a:fld>
             <a:endParaRPr lang="da-DK"/>
           </a:p>
@@ -1968,7 +1984,7 @@
             <a:fld id="{AE0D638E-229E-49F8-B196-1C511525CD7C}" type="slidenum">
               <a:rPr lang="da-DK" smtClean="0"/>
               <a:pPr/>
-              <a:t>‹nr.›</a:t>
+              <a:t>‹Nº›</a:t>
             </a:fld>
             <a:endParaRPr lang="da-DK"/>
           </a:p>
@@ -1977,7 +1993,7 @@
     </p:spTree>
     <p:extLst>
       <p:ext uri="{BB962C8B-B14F-4D97-AF65-F5344CB8AC3E}">
-        <p14:creationId xmlns="" xmlns:p14="http://schemas.microsoft.com/office/powerpoint/2010/main" val="2964866188"/>
+        <p14:creationId xmlns:p14="http://schemas.microsoft.com/office/powerpoint/2010/main" val="2964866188"/>
       </p:ext>
     </p:extLst>
   </p:cSld>
@@ -2022,7 +2038,7 @@
             <a:fld id="{5858ED9B-BE88-4148-BE32-6CCB0FE6727E}" type="datetimeFigureOut">
               <a:rPr lang="da-DK" smtClean="0"/>
               <a:pPr/>
-              <a:t>27-01-2020</a:t>
+              <a:t>08-02-2020</a:t>
             </a:fld>
             <a:endParaRPr lang="da-DK"/>
           </a:p>
@@ -2065,7 +2081,7 @@
             <a:fld id="{AE0D638E-229E-49F8-B196-1C511525CD7C}" type="slidenum">
               <a:rPr lang="da-DK" smtClean="0"/>
               <a:pPr/>
-              <a:t>‹nr.›</a:t>
+              <a:t>‹Nº›</a:t>
             </a:fld>
             <a:endParaRPr lang="da-DK"/>
           </a:p>
@@ -2074,7 +2090,7 @@
     </p:spTree>
     <p:extLst>
       <p:ext uri="{BB962C8B-B14F-4D97-AF65-F5344CB8AC3E}">
-        <p14:creationId xmlns="" xmlns:p14="http://schemas.microsoft.com/office/powerpoint/2010/main" val="4103180152"/>
+        <p14:creationId xmlns:p14="http://schemas.microsoft.com/office/powerpoint/2010/main" val="4103180152"/>
       </p:ext>
     </p:extLst>
   </p:cSld>
@@ -2301,7 +2317,7 @@
             <a:fld id="{5858ED9B-BE88-4148-BE32-6CCB0FE6727E}" type="datetimeFigureOut">
               <a:rPr lang="da-DK" smtClean="0"/>
               <a:pPr/>
-              <a:t>27-01-2020</a:t>
+              <a:t>08-02-2020</a:t>
             </a:fld>
             <a:endParaRPr lang="da-DK"/>
           </a:p>
@@ -2344,7 +2360,7 @@
             <a:fld id="{AE0D638E-229E-49F8-B196-1C511525CD7C}" type="slidenum">
               <a:rPr lang="da-DK" smtClean="0"/>
               <a:pPr/>
-              <a:t>‹nr.›</a:t>
+              <a:t>‹Nº›</a:t>
             </a:fld>
             <a:endParaRPr lang="da-DK"/>
           </a:p>
@@ -2353,7 +2369,7 @@
     </p:spTree>
     <p:extLst>
       <p:ext uri="{BB962C8B-B14F-4D97-AF65-F5344CB8AC3E}">
-        <p14:creationId xmlns="" xmlns:p14="http://schemas.microsoft.com/office/powerpoint/2010/main" val="494063684"/>
+        <p14:creationId xmlns:p14="http://schemas.microsoft.com/office/powerpoint/2010/main" val="494063684"/>
       </p:ext>
     </p:extLst>
   </p:cSld>
@@ -2556,7 +2572,7 @@
             <a:fld id="{5858ED9B-BE88-4148-BE32-6CCB0FE6727E}" type="datetimeFigureOut">
               <a:rPr lang="da-DK" smtClean="0"/>
               <a:pPr/>
-              <a:t>27-01-2020</a:t>
+              <a:t>08-02-2020</a:t>
             </a:fld>
             <a:endParaRPr lang="da-DK"/>
           </a:p>
@@ -2599,7 +2615,7 @@
             <a:fld id="{AE0D638E-229E-49F8-B196-1C511525CD7C}" type="slidenum">
               <a:rPr lang="da-DK" smtClean="0"/>
               <a:pPr/>
-              <a:t>‹nr.›</a:t>
+              <a:t>‹Nº›</a:t>
             </a:fld>
             <a:endParaRPr lang="da-DK"/>
           </a:p>
@@ -2608,7 +2624,7 @@
     </p:spTree>
     <p:extLst>
       <p:ext uri="{BB962C8B-B14F-4D97-AF65-F5344CB8AC3E}">
-        <p14:creationId xmlns="" xmlns:p14="http://schemas.microsoft.com/office/powerpoint/2010/main" val="807119001"/>
+        <p14:creationId xmlns:p14="http://schemas.microsoft.com/office/powerpoint/2010/main" val="807119001"/>
       </p:ext>
     </p:extLst>
   </p:cSld>
@@ -2771,7 +2787,7 @@
             <a:fld id="{5858ED9B-BE88-4148-BE32-6CCB0FE6727E}" type="datetimeFigureOut">
               <a:rPr lang="da-DK" smtClean="0"/>
               <a:pPr/>
-              <a:t>27-01-2020</a:t>
+              <a:t>08-02-2020</a:t>
             </a:fld>
             <a:endParaRPr lang="da-DK"/>
           </a:p>
@@ -2850,7 +2866,7 @@
             <a:fld id="{AE0D638E-229E-49F8-B196-1C511525CD7C}" type="slidenum">
               <a:rPr lang="da-DK" smtClean="0"/>
               <a:pPr/>
-              <a:t>‹nr.›</a:t>
+              <a:t>‹Nº›</a:t>
             </a:fld>
             <a:endParaRPr lang="da-DK"/>
           </a:p>
@@ -2859,7 +2875,7 @@
     </p:spTree>
     <p:extLst>
       <p:ext uri="{BB962C8B-B14F-4D97-AF65-F5344CB8AC3E}">
-        <p14:creationId xmlns="" xmlns:p14="http://schemas.microsoft.com/office/powerpoint/2010/main" val="3843544370"/>
+        <p14:creationId xmlns:p14="http://schemas.microsoft.com/office/powerpoint/2010/main" val="3843544370"/>
       </p:ext>
     </p:extLst>
   </p:cSld>
@@ -3907,7 +3923,7 @@
             </a:endParaRPr>
           </a:p>
           <a:p>
-            <a:pPr algn="ctr">
+            <a:pPr algn="just">
               <a:buNone/>
             </a:pPr>
             <a:r>
@@ -3953,7 +3969,7 @@
         </p:blipFill>
         <p:spPr bwMode="auto">
           <a:xfrm>
-            <a:off x="7020272" y="4968552"/>
+            <a:off x="6732240" y="4653136"/>
             <a:ext cx="1385721" cy="1124744"/>
           </a:xfrm>
           <a:prstGeom prst="rect">
@@ -4038,7 +4054,7 @@
         </p:blipFill>
         <p:spPr>
           <a:xfrm>
-            <a:off x="611560" y="4221088"/>
+            <a:off x="1115616" y="4281044"/>
             <a:ext cx="2775672" cy="2205806"/>
           </a:xfrm>
           <a:prstGeom prst="rect">
@@ -4280,52 +4296,6 @@
       </p:grpSpPr>
       <p:sp>
         <p:nvSpPr>
-          <p:cNvPr id="3" name="2 Rectángulo"/>
-          <p:cNvSpPr/>
-          <p:nvPr/>
-        </p:nvSpPr>
-        <p:spPr>
-          <a:xfrm>
-            <a:off x="0" y="5301208"/>
-            <a:ext cx="9144000" cy="1556792"/>
-          </a:xfrm>
-          <a:prstGeom prst="rect">
-            <a:avLst/>
-          </a:prstGeom>
-          <a:solidFill>
-            <a:schemeClr val="bg1"/>
-          </a:solidFill>
-          <a:ln>
-            <a:noFill/>
-          </a:ln>
-        </p:spPr>
-        <p:style>
-          <a:lnRef idx="2">
-            <a:schemeClr val="accent1">
-              <a:shade val="50000"/>
-            </a:schemeClr>
-          </a:lnRef>
-          <a:fillRef idx="1">
-            <a:schemeClr val="accent1"/>
-          </a:fillRef>
-          <a:effectRef idx="0">
-            <a:schemeClr val="accent1"/>
-          </a:effectRef>
-          <a:fontRef idx="minor">
-            <a:schemeClr val="lt1"/>
-          </a:fontRef>
-        </p:style>
-        <p:txBody>
-          <a:bodyPr rtlCol="0" anchor="ctr"/>
-          <a:lstStyle/>
-          <a:p>
-            <a:pPr algn="ctr"/>
-            <a:endParaRPr lang="es-ES"/>
-          </a:p>
-        </p:txBody>
-      </p:sp>
-      <p:sp>
-        <p:nvSpPr>
           <p:cNvPr id="2" name="Titel 1"/>
           <p:cNvSpPr>
             <a:spLocks noGrp="1"/>
@@ -4370,7 +4340,7 @@
         </p:nvSpPr>
         <p:spPr>
           <a:xfrm>
-            <a:off x="2843808" y="5949280"/>
+            <a:off x="2915816" y="6093296"/>
             <a:ext cx="3772251" cy="369332"/>
           </a:xfrm>
           <a:prstGeom prst="rect">
@@ -4387,11 +4357,17 @@
             <a:pPr algn="ctr"/>
             <a:r>
               <a:rPr lang="da-DK" dirty="0" smtClean="0">
-                <a:hlinkClick r:id="rId2"/>
+                <a:solidFill>
+                  <a:srgbClr val="FC2E8B"/>
+                </a:solidFill>
               </a:rPr>
               <a:t>https://developer.twitter.com/en.html</a:t>
             </a:r>
-            <a:endParaRPr lang="da-DK" dirty="0"/>
+            <a:endParaRPr lang="da-DK" dirty="0">
+              <a:solidFill>
+                <a:srgbClr val="FC2E8B"/>
+              </a:solidFill>
+            </a:endParaRPr>
           </a:p>
         </p:txBody>
       </p:sp>
@@ -4404,7 +4380,7 @@
           <p:nvPr/>
         </p:nvPicPr>
         <p:blipFill rotWithShape="1">
-          <a:blip r:embed="rId3" cstate="print"/>
+          <a:blip r:embed="rId2" cstate="print"/>
           <a:srcRect t="9183" r="1338" b="10940"/>
           <a:stretch/>
         </p:blipFill>
@@ -4423,6 +4399,170 @@
             <a:headEnd/>
             <a:tailEnd/>
           </a:ln>
+        </p:spPr>
+      </p:pic>
+      <p:pic>
+        <p:nvPicPr>
+          <p:cNvPr id="6" name="Picture 2"/>
+          <p:cNvPicPr>
+            <a:picLocks noChangeAspect="1" noChangeArrowheads="1"/>
+          </p:cNvPicPr>
+          <p:nvPr/>
+        </p:nvPicPr>
+        <p:blipFill>
+          <a:blip r:embed="rId3" cstate="print">
+            <a:duotone>
+              <a:prstClr val="black"/>
+              <a:schemeClr val="tx1">
+                <a:tint val="45000"/>
+                <a:satMod val="400000"/>
+              </a:schemeClr>
+            </a:duotone>
+            <a:extLst>
+              <a:ext uri="{BEBA8EAE-BF5A-486C-A8C5-ECC9F3942E4B}">
+                <a14:imgProps xmlns:a14="http://schemas.microsoft.com/office/drawing/2010/main">
+                  <a14:imgLayer r:embed="rId4">
+                    <a14:imgEffect>
+                      <a14:artisticGlowEdges/>
+                    </a14:imgEffect>
+                    <a14:imgEffect>
+                      <a14:saturation sat="400000"/>
+                    </a14:imgEffect>
+                  </a14:imgLayer>
+                </a14:imgProps>
+              </a:ext>
+              <a:ext uri="{28A0092B-C50C-407E-A947-70E740481C1C}">
+                <a14:useLocalDpi xmlns:a14="http://schemas.microsoft.com/office/drawing/2010/main" val="0"/>
+              </a:ext>
+            </a:extLst>
+          </a:blip>
+          <a:srcRect/>
+          <a:stretch>
+            <a:fillRect/>
+          </a:stretch>
+        </p:blipFill>
+        <p:spPr bwMode="auto">
+          <a:xfrm>
+            <a:off x="2627784" y="6137746"/>
+            <a:ext cx="301807" cy="243582"/>
+          </a:xfrm>
+          <a:prstGeom prst="rect">
+            <a:avLst/>
+          </a:prstGeom>
+          <a:noFill/>
+          <a:ln>
+            <a:noFill/>
+          </a:ln>
+          <a:effectLst/>
+          <a:extLst>
+            <a:ext uri="{909E8E84-426E-40DD-AFC4-6F175D3DCCD1}">
+              <a14:hiddenFill xmlns:a14="http://schemas.microsoft.com/office/drawing/2010/main">
+                <a:solidFill>
+                  <a:schemeClr val="accent1"/>
+                </a:solidFill>
+              </a14:hiddenFill>
+            </a:ext>
+            <a:ext uri="{91240B29-F687-4F45-9708-019B960494DF}">
+              <a14:hiddenLine xmlns:a14="http://schemas.microsoft.com/office/drawing/2010/main" w="9525">
+                <a:solidFill>
+                  <a:schemeClr val="tx1"/>
+                </a:solidFill>
+                <a:miter lim="800000"/>
+                <a:headEnd/>
+                <a:tailEnd/>
+              </a14:hiddenLine>
+            </a:ext>
+            <a:ext uri="{AF507438-7753-43E0-B8FC-AC1667EBCBE1}">
+              <a14:hiddenEffects xmlns:a14="http://schemas.microsoft.com/office/drawing/2010/main">
+                <a:effectLst>
+                  <a:outerShdw dist="35921" dir="2700000" algn="ctr" rotWithShape="0">
+                    <a:schemeClr val="bg2"/>
+                  </a:outerShdw>
+                </a:effectLst>
+              </a14:hiddenEffects>
+            </a:ext>
+          </a:extLst>
+        </p:spPr>
+      </p:pic>
+      <p:sp>
+        <p:nvSpPr>
+          <p:cNvPr id="9" name="Rectángulo 8"/>
+          <p:cNvSpPr/>
+          <p:nvPr/>
+        </p:nvSpPr>
+        <p:spPr>
+          <a:xfrm>
+            <a:off x="0" y="5949280"/>
+            <a:ext cx="9144000" cy="634400"/>
+          </a:xfrm>
+          <a:prstGeom prst="rect">
+            <a:avLst/>
+          </a:prstGeom>
+          <a:noFill/>
+          <a:ln>
+            <a:solidFill>
+              <a:srgbClr val="FC2E8B"/>
+            </a:solidFill>
+          </a:ln>
+        </p:spPr>
+        <p:style>
+          <a:lnRef idx="2">
+            <a:schemeClr val="accent6"/>
+          </a:lnRef>
+          <a:fillRef idx="1">
+            <a:schemeClr val="lt1"/>
+          </a:fillRef>
+          <a:effectRef idx="0">
+            <a:schemeClr val="accent6"/>
+          </a:effectRef>
+          <a:fontRef idx="minor">
+            <a:schemeClr val="dk1"/>
+          </a:fontRef>
+        </p:style>
+        <p:txBody>
+          <a:bodyPr rtlCol="0" anchor="ctr"/>
+          <a:lstStyle/>
+          <a:p>
+            <a:pPr algn="ctr"/>
+            <a:endParaRPr lang="en-US">
+              <a:ln>
+                <a:solidFill>
+                  <a:schemeClr val="bg1"/>
+                </a:solidFill>
+              </a:ln>
+              <a:noFill/>
+            </a:endParaRPr>
+          </a:p>
+        </p:txBody>
+      </p:sp>
+      <p:pic>
+        <p:nvPicPr>
+          <p:cNvPr id="10" name="Imagen 9" descr="Escape the Classroom – Escape room voor het onderwijs"/>
+          <p:cNvPicPr>
+            <a:picLocks noChangeAspect="1"/>
+          </p:cNvPicPr>
+          <p:nvPr/>
+        </p:nvPicPr>
+        <p:blipFill>
+          <a:blip r:embed="rId5" cstate="print">
+            <a:extLst>
+              <a:ext uri="{28A0092B-C50C-407E-A947-70E740481C1C}">
+                <a14:useLocalDpi xmlns:a14="http://schemas.microsoft.com/office/drawing/2010/main" val="0"/>
+              </a:ext>
+            </a:extLst>
+          </a:blip>
+          <a:stretch>
+            <a:fillRect/>
+          </a:stretch>
+        </p:blipFill>
+        <p:spPr>
+          <a:xfrm>
+            <a:off x="2627784" y="6131337"/>
+            <a:ext cx="309166" cy="309166"/>
+          </a:xfrm>
+          <a:prstGeom prst="rect">
+            <a:avLst/>
+          </a:prstGeom>
         </p:spPr>
       </p:pic>
     </p:spTree>
@@ -4776,7 +4916,7 @@
         <p:spPr>
           <a:xfrm>
             <a:off x="2438819" y="3789040"/>
-            <a:ext cx="2238113" cy="400110"/>
+            <a:ext cx="2491388" cy="400110"/>
           </a:xfrm>
           <a:prstGeom prst="rect">
             <a:avLst/>
@@ -4790,40 +4930,13 @@
           <a:lstStyle/>
           <a:p>
             <a:r>
-              <a:rPr lang="da-DK" sz="2000" dirty="0">
-                <a:solidFill>
-                  <a:srgbClr val="FC2E8B"/>
-                </a:solidFill>
-                <a:latin typeface="Ubuntu" panose="020B0504030602030204" pitchFamily="34" charset="0"/>
-              </a:rPr>
-              <a:t>pip </a:t>
-            </a:r>
-            <a:r>
-              <a:rPr lang="da-DK" sz="2000" dirty="0" err="1">
-                <a:solidFill>
-                  <a:srgbClr val="FC2E8B"/>
-                </a:solidFill>
-                <a:latin typeface="Ubuntu" panose="020B0504030602030204" pitchFamily="34" charset="0"/>
-              </a:rPr>
-              <a:t>install</a:t>
-            </a:r>
-            <a:r>
-              <a:rPr lang="da-DK" sz="2000" dirty="0">
-                <a:solidFill>
-                  <a:srgbClr val="FC2E8B"/>
-                </a:solidFill>
-                <a:latin typeface="Ubuntu" panose="020B0504030602030204" pitchFamily="34" charset="0"/>
-              </a:rPr>
-              <a:t> </a:t>
-            </a:r>
-            <a:r>
-              <a:rPr lang="da-DK" sz="2000" dirty="0" err="1">
-                <a:solidFill>
-                  <a:srgbClr val="FC2E8B"/>
-                </a:solidFill>
-                <a:latin typeface="Ubuntu" panose="020B0504030602030204" pitchFamily="34" charset="0"/>
-              </a:rPr>
-              <a:t>tweepy</a:t>
+              <a:rPr lang="da-DK" sz="2000" dirty="0" smtClean="0">
+                <a:solidFill>
+                  <a:srgbClr val="FC2E8B"/>
+                </a:solidFill>
+                <a:latin typeface="Ubuntu" panose="020B0504030602030204" pitchFamily="34" charset="0"/>
+              </a:rPr>
+              <a:t>pip install XlsxWriter</a:t>
             </a:r>
             <a:endParaRPr lang="da-DK" sz="2000" dirty="0">
               <a:solidFill>
@@ -5028,7 +5141,7 @@
         </p:nvSpPr>
         <p:spPr>
           <a:xfrm>
-            <a:off x="467544" y="6320353"/>
+            <a:off x="595016" y="6093296"/>
             <a:ext cx="8297464" cy="276999"/>
           </a:xfrm>
           <a:prstGeom prst="rect">
@@ -5049,7 +5162,6 @@
                   <a:srgbClr val="FC2E8B"/>
                 </a:solidFill>
                 <a:latin typeface="Ubuntu" panose="020B0504030602030204" pitchFamily="34" charset="0"/>
-                <a:hlinkClick r:id="rId2"/>
               </a:rPr>
               <a:t>https://docs.google.com/spreadsheets/d/1tUlLulV5Y-yWivYHnLw4zWh7DEKDCC7DNVbtqPXEnZU/edit?usp=sharing</a:t>
             </a:r>
@@ -5071,14 +5183,14 @@
           <p:nvPr/>
         </p:nvPicPr>
         <p:blipFill rotWithShape="1">
-          <a:blip r:embed="rId3" cstate="print"/>
+          <a:blip r:embed="rId2" cstate="print"/>
           <a:srcRect t="9643" b="4952"/>
           <a:stretch/>
         </p:blipFill>
         <p:spPr bwMode="auto">
           <a:xfrm>
-            <a:off x="899592" y="2492896"/>
-            <a:ext cx="7632848" cy="3665073"/>
+            <a:off x="1187624" y="2546538"/>
+            <a:ext cx="6336704" cy="3042702"/>
           </a:xfrm>
           <a:prstGeom prst="rect">
             <a:avLst/>
@@ -5092,6 +5204,87 @@
           </a:ln>
         </p:spPr>
       </p:pic>
+      <p:pic>
+        <p:nvPicPr>
+          <p:cNvPr id="4" name="Imagen 3" descr="javascript - My ASP.NET website displays a paper &lt;strong&gt;icon&lt;/strong&gt; at ..."/>
+          <p:cNvPicPr>
+            <a:picLocks noChangeAspect="1"/>
+          </p:cNvPicPr>
+          <p:nvPr/>
+        </p:nvPicPr>
+        <p:blipFill>
+          <a:blip r:embed="rId3" cstate="print">
+            <a:extLst>
+              <a:ext uri="{28A0092B-C50C-407E-A947-70E740481C1C}">
+                <a14:useLocalDpi xmlns:a14="http://schemas.microsoft.com/office/drawing/2010/main" val="0"/>
+              </a:ext>
+            </a:extLst>
+          </a:blip>
+          <a:stretch>
+            <a:fillRect/>
+          </a:stretch>
+        </p:blipFill>
+        <p:spPr>
+          <a:xfrm>
+            <a:off x="262553" y="6021288"/>
+            <a:ext cx="349007" cy="349007"/>
+          </a:xfrm>
+          <a:prstGeom prst="rect">
+            <a:avLst/>
+          </a:prstGeom>
+        </p:spPr>
+      </p:pic>
+      <p:sp>
+        <p:nvSpPr>
+          <p:cNvPr id="8" name="Rectángulo 7"/>
+          <p:cNvSpPr/>
+          <p:nvPr/>
+        </p:nvSpPr>
+        <p:spPr>
+          <a:xfrm>
+            <a:off x="0" y="5949280"/>
+            <a:ext cx="9144000" cy="634400"/>
+          </a:xfrm>
+          <a:prstGeom prst="rect">
+            <a:avLst/>
+          </a:prstGeom>
+          <a:noFill/>
+          <a:ln>
+            <a:solidFill>
+              <a:srgbClr val="FC2E8B"/>
+            </a:solidFill>
+          </a:ln>
+        </p:spPr>
+        <p:style>
+          <a:lnRef idx="2">
+            <a:schemeClr val="accent6"/>
+          </a:lnRef>
+          <a:fillRef idx="1">
+            <a:schemeClr val="lt1"/>
+          </a:fillRef>
+          <a:effectRef idx="0">
+            <a:schemeClr val="accent6"/>
+          </a:effectRef>
+          <a:fontRef idx="minor">
+            <a:schemeClr val="dk1"/>
+          </a:fontRef>
+        </p:style>
+        <p:txBody>
+          <a:bodyPr rtlCol="0" anchor="ctr"/>
+          <a:lstStyle/>
+          <a:p>
+            <a:pPr algn="ctr"/>
+            <a:endParaRPr lang="en-US">
+              <a:ln>
+                <a:solidFill>
+                  <a:schemeClr val="bg1"/>
+                </a:solidFill>
+              </a:ln>
+              <a:noFill/>
+            </a:endParaRPr>
+          </a:p>
+        </p:txBody>
+      </p:sp>
     </p:spTree>
   </p:cSld>
   <p:clrMapOvr>
@@ -5391,7 +5584,7 @@
           <a:blip r:embed="rId3" cstate="print">
             <a:extLst>
               <a:ext uri="{28A0092B-C50C-407E-A947-70E740481C1C}">
-                <a14:useLocalDpi xmlns:a14="http://schemas.microsoft.com/office/drawing/2010/main" xmlns="" val="0"/>
+                <a14:useLocalDpi xmlns:a14="http://schemas.microsoft.com/office/drawing/2010/main" val="0"/>
               </a:ext>
             </a:extLst>
           </a:blip>
@@ -5401,7 +5594,7 @@
         </p:blipFill>
         <p:spPr>
           <a:xfrm>
-            <a:off x="6161932" y="3861048"/>
+            <a:off x="5796136" y="3789040"/>
             <a:ext cx="1794444" cy="1794444"/>
           </a:xfrm>
           <a:prstGeom prst="rect">
@@ -6182,7 +6375,7 @@
           <a:blip r:embed="rId2" cstate="print">
             <a:extLst>
               <a:ext uri="{28A0092B-C50C-407E-A947-70E740481C1C}">
-                <a14:useLocalDpi xmlns="" xmlns:a14="http://schemas.microsoft.com/office/drawing/2010/main" val="0"/>
+                <a14:useLocalDpi xmlns:a14="http://schemas.microsoft.com/office/drawing/2010/main" val="0"/>
               </a:ext>
             </a:extLst>
           </a:blip>
@@ -6192,7 +6385,7 @@
         </p:blipFill>
         <p:spPr>
           <a:xfrm>
-            <a:off x="5227282" y="5774486"/>
+            <a:off x="5227282" y="5805264"/>
             <a:ext cx="360040" cy="360040"/>
           </a:xfrm>
           <a:prstGeom prst="rect">
@@ -6202,39 +6395,14 @@
       </p:pic>
       <p:pic>
         <p:nvPicPr>
-          <p:cNvPr id="12" name="Picture 2"/>
+          <p:cNvPr id="13" name="Picture 1" descr="C:\Users\Freddy\AppData\Local\Microsoft\Windows\INetCache\IE\IZEQC48L\email[1].png"/>
           <p:cNvPicPr>
             <a:picLocks noChangeAspect="1" noChangeArrowheads="1"/>
           </p:cNvPicPr>
           <p:nvPr/>
         </p:nvPicPr>
         <p:blipFill>
-          <a:blip r:embed="rId3" cstate="print">
-            <a:duotone>
-              <a:prstClr val="black"/>
-              <a:schemeClr val="tx1">
-                <a:tint val="45000"/>
-                <a:satMod val="400000"/>
-              </a:schemeClr>
-            </a:duotone>
-            <a:extLst>
-              <a:ext uri="{BEBA8EAE-BF5A-486C-A8C5-ECC9F3942E4B}">
-                <a14:imgProps xmlns="" xmlns:a14="http://schemas.microsoft.com/office/drawing/2010/main">
-                  <a14:imgLayer r:embed="rId4">
-                    <a14:imgEffect>
-                      <a14:artisticGlowEdges/>
-                    </a14:imgEffect>
-                    <a14:imgEffect>
-                      <a14:saturation sat="400000"/>
-                    </a14:imgEffect>
-                  </a14:imgLayer>
-                </a14:imgProps>
-              </a:ext>
-              <a:ext uri="{28A0092B-C50C-407E-A947-70E740481C1C}">
-                <a14:useLocalDpi xmlns="" xmlns:a14="http://schemas.microsoft.com/office/drawing/2010/main" val="0"/>
-              </a:ext>
-            </a:extLst>
-          </a:blip>
+          <a:blip r:embed="rId3" cstate="print"/>
           <a:srcRect/>
           <a:stretch>
             <a:fillRect/>
@@ -6242,50 +6410,48 @@
         </p:blipFill>
         <p:spPr bwMode="auto">
           <a:xfrm>
-            <a:off x="5227282" y="6210956"/>
-            <a:ext cx="301807" cy="243582"/>
+            <a:off x="5263286" y="5517232"/>
+            <a:ext cx="288032" cy="288032"/>
           </a:xfrm>
           <a:prstGeom prst="rect">
             <a:avLst/>
           </a:prstGeom>
           <a:noFill/>
-          <a:ln>
-            <a:noFill/>
-          </a:ln>
-          <a:effectLst/>
-          <a:extLst>
-            <a:ext uri="{909E8E84-426E-40DD-AFC4-6F175D3DCCD1}">
-              <a14:hiddenFill xmlns="" xmlns:a14="http://schemas.microsoft.com/office/drawing/2010/main">
-                <a:solidFill>
-                  <a:schemeClr val="accent1"/>
-                </a:solidFill>
-              </a14:hiddenFill>
-            </a:ext>
-            <a:ext uri="{91240B29-F687-4F45-9708-019B960494DF}">
-              <a14:hiddenLine xmlns="" xmlns:a14="http://schemas.microsoft.com/office/drawing/2010/main" w="9525">
-                <a:solidFill>
-                  <a:schemeClr val="tx1"/>
-                </a:solidFill>
-                <a:miter lim="800000"/>
-                <a:headEnd/>
-                <a:tailEnd/>
-              </a14:hiddenLine>
-            </a:ext>
-            <a:ext uri="{AF507438-7753-43E0-B8FC-AC1667EBCBE1}">
-              <a14:hiddenEffects xmlns="" xmlns:a14="http://schemas.microsoft.com/office/drawing/2010/main">
-                <a:effectLst>
-                  <a:outerShdw dist="35921" dir="2700000" algn="ctr" rotWithShape="0">
-                    <a:schemeClr val="bg2"/>
-                  </a:outerShdw>
-                </a:effectLst>
-              </a14:hiddenEffects>
-            </a:ext>
-          </a:extLst>
         </p:spPr>
       </p:pic>
       <p:pic>
         <p:nvPicPr>
-          <p:cNvPr id="13" name="Picture 1" descr="C:\Users\Freddy\AppData\Local\Microsoft\Windows\INetCache\IE\IZEQC48L\email[1].png"/>
+          <p:cNvPr id="15" name="14 Imagen"/>
+          <p:cNvPicPr>
+            <a:picLocks noChangeAspect="1"/>
+          </p:cNvPicPr>
+          <p:nvPr/>
+        </p:nvPicPr>
+        <p:blipFill>
+          <a:blip r:embed="rId4" cstate="print">
+            <a:extLst>
+              <a:ext uri="{28A0092B-C50C-407E-A947-70E740481C1C}">
+                <a14:useLocalDpi xmlns:a14="http://schemas.microsoft.com/office/drawing/2010/main" val="0"/>
+              </a:ext>
+            </a:extLst>
+          </a:blip>
+          <a:stretch>
+            <a:fillRect/>
+          </a:stretch>
+        </p:blipFill>
+        <p:spPr>
+          <a:xfrm>
+            <a:off x="5255569" y="1412777"/>
+            <a:ext cx="3888431" cy="3888431"/>
+          </a:xfrm>
+          <a:prstGeom prst="rect">
+            <a:avLst/>
+          </a:prstGeom>
+        </p:spPr>
+      </p:pic>
+      <p:pic>
+        <p:nvPicPr>
+          <p:cNvPr id="11" name="Picture 2" descr="C:\Users\Freddy\Downloads\FB_IMG_1552925996988.jpg"/>
           <p:cNvPicPr>
             <a:picLocks noChangeAspect="1" noChangeArrowheads="1"/>
           </p:cNvPicPr>
@@ -6300,8 +6466,8 @@
         </p:blipFill>
         <p:spPr bwMode="auto">
           <a:xfrm>
-            <a:off x="5227282" y="5517232"/>
-            <a:ext cx="288032" cy="288032"/>
+            <a:off x="5148064" y="1443426"/>
+            <a:ext cx="3995936" cy="4001798"/>
           </a:xfrm>
           <a:prstGeom prst="rect">
             <a:avLst/>
@@ -6311,7 +6477,7 @@
       </p:pic>
       <p:pic>
         <p:nvPicPr>
-          <p:cNvPr id="15" name="14 Imagen"/>
+          <p:cNvPr id="4" name="Imagen 3" descr="Escape the Classroom – Escape room voor het onderwijs"/>
           <p:cNvPicPr>
             <a:picLocks noChangeAspect="1"/>
           </p:cNvPicPr>
@@ -6321,7 +6487,7 @@
           <a:blip r:embed="rId6" cstate="print">
             <a:extLst>
               <a:ext uri="{28A0092B-C50C-407E-A947-70E740481C1C}">
-                <a14:useLocalDpi xmlns="" xmlns:a14="http://schemas.microsoft.com/office/drawing/2010/main" val="0"/>
+                <a14:useLocalDpi xmlns:a14="http://schemas.microsoft.com/office/drawing/2010/main" val="0"/>
               </a:ext>
             </a:extLst>
           </a:blip>
@@ -6331,38 +6497,12 @@
         </p:blipFill>
         <p:spPr>
           <a:xfrm>
-            <a:off x="5255569" y="1412777"/>
-            <a:ext cx="3888431" cy="3888431"/>
+            <a:off x="5240350" y="6194944"/>
+            <a:ext cx="309166" cy="309166"/>
           </a:xfrm>
           <a:prstGeom prst="rect">
             <a:avLst/>
           </a:prstGeom>
-        </p:spPr>
-      </p:pic>
-      <p:pic>
-        <p:nvPicPr>
-          <p:cNvPr id="11" name="Picture 2" descr="C:\Users\Freddy\Downloads\FB_IMG_1552925996988.jpg"/>
-          <p:cNvPicPr>
-            <a:picLocks noChangeAspect="1" noChangeArrowheads="1"/>
-          </p:cNvPicPr>
-          <p:nvPr/>
-        </p:nvPicPr>
-        <p:blipFill>
-          <a:blip r:embed="rId7" cstate="print"/>
-          <a:srcRect/>
-          <a:stretch>
-            <a:fillRect/>
-          </a:stretch>
-        </p:blipFill>
-        <p:spPr bwMode="auto">
-          <a:xfrm>
-            <a:off x="5148064" y="1443426"/>
-            <a:ext cx="3995936" cy="4001798"/>
-          </a:xfrm>
-          <a:prstGeom prst="rect">
-            <a:avLst/>
-          </a:prstGeom>
-          <a:noFill/>
         </p:spPr>
       </p:pic>
     </p:spTree>
@@ -6687,7 +6827,7 @@
         <p:spPr>
           <a:xfrm>
             <a:off x="2483768" y="2249190"/>
-            <a:ext cx="2204450" cy="400110"/>
+            <a:ext cx="2077813" cy="400110"/>
           </a:xfrm>
           <a:prstGeom prst="rect">
             <a:avLst/>
@@ -6701,38 +6841,14 @@
           <a:lstStyle/>
           <a:p>
             <a:r>
-              <a:rPr lang="da-DK" sz="2000" dirty="0" smtClean="0">
-                <a:solidFill>
-                  <a:srgbClr val="FC2E8B"/>
-                </a:solidFill>
-                <a:latin typeface="Ubuntu" panose="020B0504030602030204" pitchFamily="34" charset="0"/>
-              </a:rPr>
-              <a:t>pip </a:t>
-            </a:r>
-            <a:r>
-              <a:rPr lang="da-DK" sz="2000" dirty="0" err="1" smtClean="0">
-                <a:solidFill>
-                  <a:srgbClr val="FC2E8B"/>
-                </a:solidFill>
-                <a:latin typeface="Ubuntu" panose="020B0504030602030204" pitchFamily="34" charset="0"/>
-              </a:rPr>
-              <a:t>install</a:t>
-            </a:r>
-            <a:r>
-              <a:rPr lang="da-DK" sz="2000" dirty="0" smtClean="0">
-                <a:solidFill>
-                  <a:srgbClr val="FC2E8B"/>
-                </a:solidFill>
-                <a:latin typeface="Ubuntu" panose="020B0504030602030204" pitchFamily="34" charset="0"/>
-              </a:rPr>
-              <a:t> pandas</a:t>
-            </a:r>
-            <a:endParaRPr lang="da-DK" sz="2000" dirty="0">
-              <a:solidFill>
-                <a:srgbClr val="FC2E8B"/>
-              </a:solidFill>
-              <a:latin typeface="Ubuntu" panose="020B0504030602030204" pitchFamily="34" charset="0"/>
-            </a:endParaRPr>
+              <a:rPr lang="da-DK" sz="2000" dirty="0">
+                <a:solidFill>
+                  <a:srgbClr val="FC2E8B"/>
+                </a:solidFill>
+                <a:latin typeface="Ubuntu" panose="020B0504030602030204" pitchFamily="34" charset="0"/>
+              </a:rPr>
+              <a:t>pip install strings</a:t>
+            </a:r>
           </a:p>
         </p:txBody>
       </p:sp>
@@ -6745,7 +6861,7 @@
         <p:spPr>
           <a:xfrm>
             <a:off x="2483768" y="3676962"/>
-            <a:ext cx="2161169" cy="400110"/>
+            <a:ext cx="1550424" cy="400110"/>
           </a:xfrm>
           <a:prstGeom prst="rect">
             <a:avLst/>
@@ -6765,34 +6881,7 @@
                 </a:solidFill>
                 <a:latin typeface="Ubuntu" panose="020B0504030602030204" pitchFamily="34" charset="0"/>
               </a:rPr>
-              <a:t>pip </a:t>
-            </a:r>
-            <a:r>
-              <a:rPr lang="da-DK" sz="2000" dirty="0" err="1" smtClean="0">
-                <a:solidFill>
-                  <a:srgbClr val="FC2E8B"/>
-                </a:solidFill>
-                <a:latin typeface="Ubuntu" panose="020B0504030602030204" pitchFamily="34" charset="0"/>
-              </a:rPr>
-              <a:t>install</a:t>
-            </a:r>
-            <a:r>
-              <a:rPr lang="da-DK" sz="2000" dirty="0" smtClean="0">
-                <a:solidFill>
-                  <a:srgbClr val="FC2E8B"/>
-                </a:solidFill>
-                <a:latin typeface="Ubuntu" panose="020B0504030602030204" pitchFamily="34" charset="0"/>
-              </a:rPr>
-              <a:t> </a:t>
-            </a:r>
-            <a:r>
-              <a:rPr lang="da-DK" sz="2000" dirty="0" err="1" smtClean="0">
-                <a:solidFill>
-                  <a:srgbClr val="FC2E8B"/>
-                </a:solidFill>
-                <a:latin typeface="Ubuntu" panose="020B0504030602030204" pitchFamily="34" charset="0"/>
-              </a:rPr>
-              <a:t>strings</a:t>
+              <a:t>pip install re</a:t>
             </a:r>
             <a:endParaRPr lang="da-DK" sz="2000" dirty="0">
               <a:solidFill>
@@ -7104,7 +7193,7 @@
         </p:blipFill>
         <p:spPr bwMode="auto">
           <a:xfrm>
-            <a:off x="8388424" y="2060848"/>
+            <a:off x="8604448" y="2060848"/>
             <a:ext cx="432048" cy="432048"/>
           </a:xfrm>
           <a:prstGeom prst="rect">
@@ -7132,7 +7221,7 @@
         </p:blipFill>
         <p:spPr bwMode="auto">
           <a:xfrm>
-            <a:off x="5148064" y="2780928"/>
+            <a:off x="5220072" y="2780928"/>
             <a:ext cx="432048" cy="432048"/>
           </a:xfrm>
           <a:prstGeom prst="rect">
@@ -7160,7 +7249,7 @@
         </p:blipFill>
         <p:spPr bwMode="auto">
           <a:xfrm>
-            <a:off x="4283968" y="3212976"/>
+            <a:off x="4427984" y="3212976"/>
             <a:ext cx="432048" cy="432048"/>
           </a:xfrm>
           <a:prstGeom prst="rect">
@@ -7533,116 +7622,6 @@
           <a:noFill/>
         </p:spPr>
       </p:pic>
-      <p:sp>
-        <p:nvSpPr>
-          <p:cNvPr id="12" name="Tekstboks 11"/>
-          <p:cNvSpPr txBox="1"/>
-          <p:nvPr/>
-        </p:nvSpPr>
-        <p:spPr>
-          <a:xfrm>
-            <a:off x="1187624" y="6021288"/>
-            <a:ext cx="6690165" cy="369332"/>
-          </a:xfrm>
-          <a:prstGeom prst="rect">
-            <a:avLst/>
-          </a:prstGeom>
-          <a:noFill/>
-        </p:spPr>
-        <p:txBody>
-          <a:bodyPr wrap="none" rtlCol="0">
-            <a:spAutoFit/>
-          </a:bodyPr>
-          <a:lstStyle/>
-          <a:p>
-            <a:r>
-              <a:rPr lang="es-VE" dirty="0" smtClean="0"/>
-              <a:t>“</a:t>
-            </a:r>
-            <a:r>
-              <a:rPr lang="da-DK" dirty="0" err="1" smtClean="0"/>
-              <a:t>Hola</a:t>
-            </a:r>
-            <a:r>
-              <a:rPr lang="da-DK" dirty="0" smtClean="0"/>
-              <a:t>, te </a:t>
-            </a:r>
-            <a:r>
-              <a:rPr lang="da-DK" dirty="0" err="1" smtClean="0"/>
-              <a:t>queria</a:t>
-            </a:r>
-            <a:r>
-              <a:rPr lang="da-DK" dirty="0" smtClean="0"/>
-              <a:t> </a:t>
-            </a:r>
-            <a:r>
-              <a:rPr lang="da-DK" dirty="0" err="1" smtClean="0"/>
-              <a:t>avisar</a:t>
-            </a:r>
-            <a:r>
-              <a:rPr lang="da-DK" dirty="0" smtClean="0"/>
-              <a:t> </a:t>
-            </a:r>
-            <a:r>
-              <a:rPr lang="da-DK" dirty="0" err="1" smtClean="0"/>
-              <a:t>que</a:t>
-            </a:r>
-            <a:r>
-              <a:rPr lang="da-DK" dirty="0" smtClean="0"/>
-              <a:t> </a:t>
-            </a:r>
-            <a:r>
-              <a:rPr lang="da-DK" dirty="0" err="1" smtClean="0"/>
-              <a:t>no</a:t>
-            </a:r>
-            <a:r>
-              <a:rPr lang="da-DK" dirty="0" smtClean="0"/>
-              <a:t> </a:t>
-            </a:r>
-            <a:r>
-              <a:rPr lang="da-DK" dirty="0" err="1" smtClean="0"/>
-              <a:t>tengo</a:t>
-            </a:r>
-            <a:r>
-              <a:rPr lang="da-DK" dirty="0" smtClean="0"/>
-              <a:t> </a:t>
-            </a:r>
-            <a:r>
-              <a:rPr lang="da-DK" dirty="0" err="1" smtClean="0"/>
-              <a:t>noticias</a:t>
-            </a:r>
-            <a:r>
-              <a:rPr lang="da-DK" dirty="0" smtClean="0"/>
-              <a:t> </a:t>
-            </a:r>
-            <a:r>
-              <a:rPr lang="da-DK" dirty="0" err="1" smtClean="0"/>
-              <a:t>todavia</a:t>
-            </a:r>
-            <a:r>
-              <a:rPr lang="da-DK" dirty="0" smtClean="0"/>
-              <a:t>. Te </a:t>
-            </a:r>
-            <a:r>
-              <a:rPr lang="da-DK" dirty="0" err="1" smtClean="0"/>
-              <a:t>llamo</a:t>
-            </a:r>
-            <a:r>
-              <a:rPr lang="da-DK" dirty="0" smtClean="0"/>
-              <a:t>, </a:t>
-            </a:r>
-            <a:r>
-              <a:rPr lang="da-DK" dirty="0" err="1" smtClean="0"/>
-              <a:t>avisa</a:t>
-            </a:r>
-            <a:r>
-              <a:rPr lang="es-VE" dirty="0" smtClean="0"/>
-              <a:t>.”</a:t>
-            </a:r>
-            <a:endParaRPr lang="da-DK" dirty="0"/>
-          </a:p>
-        </p:txBody>
-      </p:sp>
     </p:spTree>
   </p:cSld>
   <p:clrMapOvr>
@@ -7735,7 +7714,7 @@
         </p:nvSpPr>
         <p:spPr>
           <a:xfrm>
-            <a:off x="457200" y="1124744"/>
+            <a:off x="457200" y="1268760"/>
             <a:ext cx="8229600" cy="4968552"/>
           </a:xfrm>
         </p:spPr>
@@ -7755,13 +7734,40 @@
               <a:t>Textblob: </a:t>
             </a:r>
             <a:r>
+              <a:rPr lang="en-US" sz="2000" dirty="0" smtClean="0">
+                <a:solidFill>
+                  <a:srgbClr val="FC2E8B"/>
+                </a:solidFill>
+                <a:latin typeface="Ubuntu" panose="020B0504030602030204" pitchFamily="34" charset="0"/>
+              </a:rPr>
+              <a:t>It </a:t>
+            </a:r>
+            <a:r>
               <a:rPr lang="en-US" sz="2000" dirty="0">
                 <a:solidFill>
                   <a:srgbClr val="FC2E8B"/>
                 </a:solidFill>
                 <a:latin typeface="Ubuntu" panose="020B0504030602030204" pitchFamily="34" charset="0"/>
               </a:rPr>
-              <a:t>is a Python (2 and 3) library for processing textual data. It provides a consistent API for diving into common natural language processing (NLP) tasks such as part-of-speech tagging, noun phrase extraction, sentiment analysis, and </a:t>
+              <a:t>provides a consistent API for diving into common </a:t>
+            </a:r>
+            <a:r>
+              <a:rPr lang="en-US" sz="2000" dirty="0" smtClean="0">
+                <a:solidFill>
+                  <a:srgbClr val="FC2E8B"/>
+                </a:solidFill>
+                <a:latin typeface="Ubuntu" panose="020B0504030602030204" pitchFamily="34" charset="0"/>
+              </a:rPr>
+              <a:t>NLP </a:t>
+            </a:r>
+            <a:r>
+              <a:rPr lang="en-US" sz="2000" dirty="0">
+                <a:solidFill>
+                  <a:srgbClr val="FC2E8B"/>
+                </a:solidFill>
+                <a:latin typeface="Ubuntu" panose="020B0504030602030204" pitchFamily="34" charset="0"/>
+              </a:rPr>
+              <a:t>tasks such as part-of-speech tagging, noun phrase extraction, sentiment analysis, and </a:t>
             </a:r>
             <a:r>
               <a:rPr lang="en-US" sz="2000" dirty="0" smtClean="0">
@@ -7889,7 +7895,7 @@
                 </a:solidFill>
                 <a:latin typeface="Ubuntu" panose="020B0504030602030204" pitchFamily="34" charset="0"/>
               </a:rPr>
-              <a:t>personal opinion</a:t>
+              <a:t>personal opinion. Subjectivity </a:t>
             </a:r>
             <a:r>
               <a:rPr lang="en-US" sz="2000" dirty="0">
@@ -7898,7 +7904,7 @@
                 </a:solidFill>
                 <a:latin typeface="Ubuntu" panose="020B0504030602030204" pitchFamily="34" charset="0"/>
               </a:rPr>
-              <a:t>, emotion or judgment whereas objective refers to factual information. Subjectivity is also a float which lies in the range of [0,1</a:t>
+              <a:t>is also a float which lies in the range of [0,1</a:t>
             </a:r>
             <a:r>
               <a:rPr lang="en-US" sz="2000" dirty="0" smtClean="0">
@@ -7984,7 +7990,7 @@
         </p:nvSpPr>
         <p:spPr>
           <a:xfrm>
-            <a:off x="2339752" y="6021288"/>
+            <a:off x="2195736" y="5261138"/>
             <a:ext cx="2374368" cy="400110"/>
           </a:xfrm>
           <a:prstGeom prst="rect">
@@ -8643,7 +8649,7 @@
         </p:blipFill>
         <p:spPr bwMode="auto">
           <a:xfrm>
-            <a:off x="8316416" y="2060848"/>
+            <a:off x="8604448" y="2060848"/>
             <a:ext cx="432048" cy="432048"/>
           </a:xfrm>
           <a:prstGeom prst="rect">
@@ -8671,7 +8677,7 @@
         </p:blipFill>
         <p:spPr bwMode="auto">
           <a:xfrm>
-            <a:off x="5102453" y="2780928"/>
+            <a:off x="5292080" y="2780928"/>
             <a:ext cx="432048" cy="432048"/>
           </a:xfrm>
           <a:prstGeom prst="rect">
@@ -8699,7 +8705,7 @@
         </p:blipFill>
         <p:spPr bwMode="auto">
           <a:xfrm>
-            <a:off x="4238357" y="3212976"/>
+            <a:off x="4355976" y="3212976"/>
             <a:ext cx="432048" cy="432048"/>
           </a:xfrm>
           <a:prstGeom prst="rect">
@@ -8727,7 +8733,7 @@
         </p:blipFill>
         <p:spPr bwMode="auto">
           <a:xfrm>
-            <a:off x="1979712" y="4077072"/>
+            <a:off x="7668344" y="3789040"/>
             <a:ext cx="432048" cy="432048"/>
           </a:xfrm>
           <a:prstGeom prst="rect">
@@ -8755,7 +8761,7 @@
         </p:blipFill>
         <p:spPr bwMode="auto">
           <a:xfrm>
-            <a:off x="3467168" y="4365104"/>
+            <a:off x="3594720" y="4365104"/>
             <a:ext cx="432048" cy="432048"/>
           </a:xfrm>
           <a:prstGeom prst="rect">
@@ -9752,7 +9758,7 @@
             <a:lum bright="70000" contrast="-70000"/>
             <a:extLst>
               <a:ext uri="{28A0092B-C50C-407E-A947-70E740481C1C}">
-                <a14:useLocalDpi xmlns="" xmlns:a14="http://schemas.microsoft.com/office/drawing/2010/main" val="0"/>
+                <a14:useLocalDpi xmlns:a14="http://schemas.microsoft.com/office/drawing/2010/main" val="0"/>
               </a:ext>
             </a:extLst>
           </a:blip>
@@ -9783,7 +9789,7 @@
             <a:lum bright="70000" contrast="-70000"/>
             <a:extLst>
               <a:ext uri="{BEBA8EAE-BF5A-486C-A8C5-ECC9F3942E4B}">
-                <a14:imgProps xmlns="" xmlns:a14="http://schemas.microsoft.com/office/drawing/2010/main">
+                <a14:imgProps xmlns:a14="http://schemas.microsoft.com/office/drawing/2010/main">
                   <a14:imgLayer r:embed="rId5">
                     <a14:imgEffect>
                       <a14:artisticGlowEdges/>
@@ -9795,7 +9801,7 @@
                 </a14:imgProps>
               </a:ext>
               <a:ext uri="{28A0092B-C50C-407E-A947-70E740481C1C}">
-                <a14:useLocalDpi xmlns="" xmlns:a14="http://schemas.microsoft.com/office/drawing/2010/main" val="0"/>
+                <a14:useLocalDpi xmlns:a14="http://schemas.microsoft.com/office/drawing/2010/main" val="0"/>
               </a:ext>
             </a:extLst>
           </a:blip>
@@ -9819,14 +9825,14 @@
           <a:effectLst/>
           <a:extLst>
             <a:ext uri="{909E8E84-426E-40DD-AFC4-6F175D3DCCD1}">
-              <a14:hiddenFill xmlns="" xmlns:a14="http://schemas.microsoft.com/office/drawing/2010/main">
+              <a14:hiddenFill xmlns:a14="http://schemas.microsoft.com/office/drawing/2010/main">
                 <a:solidFill>
                   <a:schemeClr val="accent1"/>
                 </a:solidFill>
               </a14:hiddenFill>
             </a:ext>
             <a:ext uri="{91240B29-F687-4F45-9708-019B960494DF}">
-              <a14:hiddenLine xmlns="" xmlns:a14="http://schemas.microsoft.com/office/drawing/2010/main" w="9525">
+              <a14:hiddenLine xmlns:a14="http://schemas.microsoft.com/office/drawing/2010/main" w="9525">
                 <a:solidFill>
                   <a:schemeClr val="tx1"/>
                 </a:solidFill>
@@ -9836,7 +9842,7 @@
               </a14:hiddenLine>
             </a:ext>
             <a:ext uri="{AF507438-7753-43E0-B8FC-AC1667EBCBE1}">
-              <a14:hiddenEffects xmlns="" xmlns:a14="http://schemas.microsoft.com/office/drawing/2010/main">
+              <a14:hiddenEffects xmlns:a14="http://schemas.microsoft.com/office/drawing/2010/main">
                 <a:effectLst>
                   <a:outerShdw dist="35921" dir="2700000" algn="ctr" rotWithShape="0">
                     <a:schemeClr val="bg2"/>
@@ -9875,6 +9881,76 @@
           <a:noFill/>
         </p:spPr>
       </p:pic>
+      <p:sp>
+        <p:nvSpPr>
+          <p:cNvPr id="10" name="Tekstboks 4"/>
+          <p:cNvSpPr txBox="1"/>
+          <p:nvPr/>
+        </p:nvSpPr>
+        <p:spPr>
+          <a:xfrm>
+            <a:off x="4860032" y="476672"/>
+            <a:ext cx="3848119" cy="1200329"/>
+          </a:xfrm>
+          <a:prstGeom prst="rect">
+            <a:avLst/>
+          </a:prstGeom>
+          <a:noFill/>
+        </p:spPr>
+        <p:txBody>
+          <a:bodyPr wrap="square" rtlCol="0">
+            <a:spAutoFit/>
+          </a:bodyPr>
+          <a:lstStyle/>
+          <a:p>
+            <a:pPr algn="r"/>
+            <a:r>
+              <a:rPr lang="es-VE" sz="2400" b="1" dirty="0" smtClean="0">
+                <a:solidFill>
+                  <a:schemeClr val="bg1"/>
+                </a:solidFill>
+                <a:latin typeface="Ubuntu Medium" panose="020B0604030602030204" pitchFamily="34" charset="0"/>
+                <a:ea typeface="Open Sans" panose="020B0606030504020204" pitchFamily="34" charset="0"/>
+                <a:cs typeface="Open Sans" panose="020B0606030504020204" pitchFamily="34" charset="0"/>
+              </a:rPr>
+              <a:t>“Las personas mienten, los datos no”</a:t>
+            </a:r>
+          </a:p>
+          <a:p>
+            <a:pPr algn="r"/>
+            <a:r>
+              <a:rPr lang="es-VE" sz="2400" b="1" dirty="0" err="1" smtClean="0">
+                <a:solidFill>
+                  <a:schemeClr val="bg1"/>
+                </a:solidFill>
+                <a:latin typeface="Ubuntu Medium" panose="020B0604030602030204" pitchFamily="34" charset="0"/>
+                <a:ea typeface="Open Sans" panose="020B0606030504020204" pitchFamily="34" charset="0"/>
+                <a:cs typeface="Open Sans" panose="020B0606030504020204" pitchFamily="34" charset="0"/>
+              </a:rPr>
+              <a:t>PlatziConf</a:t>
+            </a:r>
+            <a:r>
+              <a:rPr lang="es-VE" sz="2400" b="1" dirty="0" smtClean="0">
+                <a:solidFill>
+                  <a:schemeClr val="bg1"/>
+                </a:solidFill>
+                <a:latin typeface="Ubuntu Medium" panose="020B0604030602030204" pitchFamily="34" charset="0"/>
+                <a:ea typeface="Open Sans" panose="020B0606030504020204" pitchFamily="34" charset="0"/>
+                <a:cs typeface="Open Sans" panose="020B0606030504020204" pitchFamily="34" charset="0"/>
+              </a:rPr>
+              <a:t> 2019</a:t>
+            </a:r>
+            <a:endParaRPr lang="da-DK" sz="2400" b="1" dirty="0">
+              <a:solidFill>
+                <a:schemeClr val="bg1"/>
+              </a:solidFill>
+              <a:latin typeface="Ubuntu Medium" panose="020B0604030602030204" pitchFamily="34" charset="0"/>
+              <a:ea typeface="Open Sans" panose="020B0606030504020204" pitchFamily="34" charset="0"/>
+              <a:cs typeface="Open Sans" panose="020B0606030504020204" pitchFamily="34" charset="0"/>
+            </a:endParaRPr>
+          </a:p>
+        </p:txBody>
+      </p:sp>
     </p:spTree>
   </p:cSld>
   <p:clrMapOvr>
@@ -10007,23 +10083,53 @@
       </p:sp>
       <p:pic>
         <p:nvPicPr>
-          <p:cNvPr id="2057" name="Picture 9" descr="C:\Users\Freddy\Downloads\Taller-324.jpg"/>
+          <p:cNvPr id="2" name="Imagen 1"/>
+          <p:cNvPicPr>
+            <a:picLocks noChangeAspect="1"/>
+          </p:cNvPicPr>
+          <p:nvPr/>
+        </p:nvPicPr>
+        <p:blipFill>
+          <a:blip r:embed="rId2" cstate="print">
+            <a:extLst>
+              <a:ext uri="{28A0092B-C50C-407E-A947-70E740481C1C}">
+                <a14:useLocalDpi xmlns:a14="http://schemas.microsoft.com/office/drawing/2010/main" val="0"/>
+              </a:ext>
+            </a:extLst>
+          </a:blip>
+          <a:stretch>
+            <a:fillRect/>
+          </a:stretch>
+        </p:blipFill>
+        <p:spPr>
+          <a:xfrm>
+            <a:off x="5073412" y="4169539"/>
+            <a:ext cx="4070587" cy="2715845"/>
+          </a:xfrm>
+          <a:prstGeom prst="rect">
+            <a:avLst/>
+          </a:prstGeom>
+        </p:spPr>
+      </p:pic>
+      <p:pic>
+        <p:nvPicPr>
+          <p:cNvPr id="2056" name="Picture 8" descr="C:\Users\Freddy\Downloads\Taller-303.jpg"/>
           <p:cNvPicPr>
             <a:picLocks noChangeAspect="1" noChangeArrowheads="1"/>
           </p:cNvPicPr>
           <p:nvPr/>
         </p:nvPicPr>
         <p:blipFill>
-          <a:blip r:embed="rId2" cstate="print"/>
-          <a:srcRect l="7752"/>
+          <a:blip r:embed="rId3" cstate="print"/>
+          <a:srcRect t="8036" b="8929"/>
           <a:stretch>
             <a:fillRect/>
           </a:stretch>
         </p:blipFill>
         <p:spPr bwMode="auto">
           <a:xfrm>
-            <a:off x="5080903" y="3949028"/>
-            <a:ext cx="4063097" cy="2936356"/>
+            <a:off x="5073412" y="2276872"/>
+            <a:ext cx="4063097" cy="2249215"/>
           </a:xfrm>
           <a:prstGeom prst="rect">
             <a:avLst/>
@@ -10040,7 +10146,7 @@
           <p:nvPr/>
         </p:nvPicPr>
         <p:blipFill>
-          <a:blip r:embed="rId3" cstate="print"/>
+          <a:blip r:embed="rId4" cstate="print"/>
           <a:srcRect t="13763"/>
           <a:stretch>
             <a:fillRect/>
@@ -10048,34 +10154,8 @@
         </p:blipFill>
         <p:spPr bwMode="auto">
           <a:xfrm>
-            <a:off x="5073412" y="2214313"/>
+            <a:off x="5073412" y="-11075"/>
             <a:ext cx="4070587" cy="2334842"/>
-          </a:xfrm>
-          <a:prstGeom prst="rect">
-            <a:avLst/>
-          </a:prstGeom>
-          <a:noFill/>
-        </p:spPr>
-      </p:pic>
-      <p:pic>
-        <p:nvPicPr>
-          <p:cNvPr id="2056" name="Picture 8" descr="C:\Users\Freddy\Downloads\Taller-303.jpg"/>
-          <p:cNvPicPr>
-            <a:picLocks noChangeAspect="1" noChangeArrowheads="1"/>
-          </p:cNvPicPr>
-          <p:nvPr/>
-        </p:nvPicPr>
-        <p:blipFill>
-          <a:blip r:embed="rId4" cstate="print"/>
-          <a:srcRect t="8036" b="8929"/>
-          <a:stretch>
-            <a:fillRect/>
-          </a:stretch>
-        </p:blipFill>
-        <p:spPr bwMode="auto">
-          <a:xfrm>
-            <a:off x="5076056" y="-29146"/>
-            <a:ext cx="4063097" cy="2249215"/>
           </a:xfrm>
           <a:prstGeom prst="rect">
             <a:avLst/>
@@ -10095,7 +10175,7 @@
           <a:blip r:embed="rId5" cstate="print">
             <a:extLst>
               <a:ext uri="{28A0092B-C50C-407E-A947-70E740481C1C}">
-                <a14:useLocalDpi xmlns="" xmlns:a14="http://schemas.microsoft.com/office/drawing/2010/main" val="0"/>
+                <a14:useLocalDpi xmlns:a14="http://schemas.microsoft.com/office/drawing/2010/main" val="0"/>
               </a:ext>
             </a:extLst>
           </a:blip>
@@ -10162,7 +10242,7 @@
     </p:spTree>
     <p:extLst>
       <p:ext uri="{BB962C8B-B14F-4D97-AF65-F5344CB8AC3E}">
-        <p14:creationId xmlns="" xmlns:p14="http://schemas.microsoft.com/office/powerpoint/2010/main" val="908607607"/>
+        <p14:creationId xmlns:p14="http://schemas.microsoft.com/office/powerpoint/2010/main" val="908607607"/>
       </p:ext>
     </p:extLst>
   </p:cSld>
@@ -10398,21 +10478,19 @@
       </p:sp>
       <p:sp>
         <p:nvSpPr>
-          <p:cNvPr id="10" name="1 Rectángulo"/>
+          <p:cNvPr id="2" name="Rectángulo 1"/>
           <p:cNvSpPr/>
           <p:nvPr/>
         </p:nvSpPr>
         <p:spPr>
           <a:xfrm>
-            <a:off x="8012" y="5877272"/>
-            <a:ext cx="9135988" cy="648072"/>
+            <a:off x="0" y="5949280"/>
+            <a:ext cx="9144000" cy="634400"/>
           </a:xfrm>
           <a:prstGeom prst="rect">
             <a:avLst/>
           </a:prstGeom>
-          <a:solidFill>
-            <a:schemeClr val="bg1"/>
-          </a:solidFill>
+          <a:noFill/>
           <a:ln>
             <a:solidFill>
               <a:schemeClr val="bg1"/>
@@ -10421,18 +10499,16 @@
         </p:spPr>
         <p:style>
           <a:lnRef idx="2">
-            <a:schemeClr val="accent1">
-              <a:shade val="50000"/>
-            </a:schemeClr>
+            <a:schemeClr val="accent6"/>
           </a:lnRef>
           <a:fillRef idx="1">
-            <a:schemeClr val="accent1"/>
+            <a:schemeClr val="lt1"/>
           </a:fillRef>
           <a:effectRef idx="0">
-            <a:schemeClr val="accent1"/>
+            <a:schemeClr val="accent6"/>
           </a:effectRef>
           <a:fontRef idx="minor">
-            <a:schemeClr val="lt1"/>
+            <a:schemeClr val="dk1"/>
           </a:fontRef>
         </p:style>
         <p:txBody>
@@ -10440,7 +10516,14 @@
           <a:lstStyle/>
           <a:p>
             <a:pPr algn="ctr"/>
-            <a:endParaRPr lang="es-ES"/>
+            <a:endParaRPr lang="en-US">
+              <a:ln>
+                <a:solidFill>
+                  <a:schemeClr val="bg1"/>
+                </a:solidFill>
+              </a:ln>
+              <a:noFill/>
+            </a:endParaRPr>
           </a:p>
         </p:txBody>
       </p:sp>
@@ -10452,7 +10535,7 @@
         </p:nvSpPr>
         <p:spPr>
           <a:xfrm>
-            <a:off x="971600" y="6011996"/>
+            <a:off x="1024739" y="6084004"/>
             <a:ext cx="7219669" cy="369332"/>
           </a:xfrm>
           <a:prstGeom prst="rect">
@@ -10468,14 +10551,50 @@
           <a:p>
             <a:r>
               <a:rPr lang="da-DK" dirty="0" smtClean="0">
-                <a:hlinkClick r:id="rId5"/>
+                <a:solidFill>
+                  <a:schemeClr val="bg1"/>
+                </a:solidFill>
               </a:rPr>
               <a:t>https://www.youtube.com/channel/UClb88lwUvlFikmhTzVGsVGA/featured</a:t>
             </a:r>
-            <a:endParaRPr lang="da-DK" dirty="0"/>
-          </a:p>
-        </p:txBody>
-      </p:sp>
+            <a:endParaRPr lang="da-DK" dirty="0">
+              <a:solidFill>
+                <a:schemeClr val="bg1"/>
+              </a:solidFill>
+            </a:endParaRPr>
+          </a:p>
+        </p:txBody>
+      </p:sp>
+      <p:pic>
+        <p:nvPicPr>
+          <p:cNvPr id="12" name="Imagen 11" descr="File:&lt;strong&gt;YouTube&lt;/strong&gt; social dark circle (2017).svg - Wikimedia Commons"/>
+          <p:cNvPicPr>
+            <a:picLocks noChangeAspect="1"/>
+          </p:cNvPicPr>
+          <p:nvPr/>
+        </p:nvPicPr>
+        <p:blipFill>
+          <a:blip r:embed="rId5" cstate="print">
+            <a:extLst>
+              <a:ext uri="{28A0092B-C50C-407E-A947-70E740481C1C}">
+                <a14:useLocalDpi xmlns:a14="http://schemas.microsoft.com/office/drawing/2010/main" val="0"/>
+              </a:ext>
+            </a:extLst>
+          </a:blip>
+          <a:stretch>
+            <a:fillRect/>
+          </a:stretch>
+        </p:blipFill>
+        <p:spPr>
+          <a:xfrm>
+            <a:off x="721605" y="6114913"/>
+            <a:ext cx="303134" cy="303134"/>
+          </a:xfrm>
+          <a:prstGeom prst="rect">
+            <a:avLst/>
+          </a:prstGeom>
+        </p:spPr>
+      </p:pic>
     </p:spTree>
   </p:cSld>
   <p:clrMapOvr>
@@ -10959,7 +11078,7 @@
           <a:blip r:embed="rId2" cstate="print">
             <a:extLst>
               <a:ext uri="{28A0092B-C50C-407E-A947-70E740481C1C}">
-                <a14:useLocalDpi xmlns="" xmlns:a14="http://schemas.microsoft.com/office/drawing/2010/main" val="0"/>
+                <a14:useLocalDpi xmlns:a14="http://schemas.microsoft.com/office/drawing/2010/main" val="0"/>
               </a:ext>
             </a:extLst>
           </a:blip>
@@ -10988,7 +11107,7 @@
           <a:blip r:embed="rId3" cstate="print">
             <a:extLst>
               <a:ext uri="{28A0092B-C50C-407E-A947-70E740481C1C}">
-                <a14:useLocalDpi xmlns="" xmlns:a14="http://schemas.microsoft.com/office/drawing/2010/main" val="0"/>
+                <a14:useLocalDpi xmlns:a14="http://schemas.microsoft.com/office/drawing/2010/main" val="0"/>
               </a:ext>
             </a:extLst>
           </a:blip>
@@ -11008,14 +11127,67 @@
       </p:pic>
       <p:sp>
         <p:nvSpPr>
+          <p:cNvPr id="9" name="Rectángulo 8"/>
+          <p:cNvSpPr/>
+          <p:nvPr/>
+        </p:nvSpPr>
+        <p:spPr>
+          <a:xfrm>
+            <a:off x="0" y="5949280"/>
+            <a:ext cx="9144000" cy="634400"/>
+          </a:xfrm>
+          <a:prstGeom prst="rect">
+            <a:avLst/>
+          </a:prstGeom>
+          <a:solidFill>
+            <a:schemeClr val="bg1"/>
+          </a:solidFill>
+          <a:ln>
+            <a:solidFill>
+              <a:schemeClr val="bg1"/>
+            </a:solidFill>
+          </a:ln>
+        </p:spPr>
+        <p:style>
+          <a:lnRef idx="2">
+            <a:schemeClr val="accent6"/>
+          </a:lnRef>
+          <a:fillRef idx="1">
+            <a:schemeClr val="lt1"/>
+          </a:fillRef>
+          <a:effectRef idx="0">
+            <a:schemeClr val="accent6"/>
+          </a:effectRef>
+          <a:fontRef idx="minor">
+            <a:schemeClr val="dk1"/>
+          </a:fontRef>
+        </p:style>
+        <p:txBody>
+          <a:bodyPr rtlCol="0" anchor="ctr"/>
+          <a:lstStyle/>
+          <a:p>
+            <a:pPr algn="ctr"/>
+            <a:endParaRPr lang="en-US">
+              <a:ln>
+                <a:solidFill>
+                  <a:schemeClr val="bg1"/>
+                </a:solidFill>
+              </a:ln>
+              <a:noFill/>
+            </a:endParaRPr>
+          </a:p>
+        </p:txBody>
+      </p:sp>
+      <p:sp>
+        <p:nvSpPr>
           <p:cNvPr id="5" name="Tekstboks 4"/>
           <p:cNvSpPr txBox="1"/>
           <p:nvPr/>
         </p:nvSpPr>
         <p:spPr>
           <a:xfrm>
-            <a:off x="1331640" y="6093296"/>
-            <a:ext cx="6735883" cy="369332"/>
+            <a:off x="2268664" y="6111142"/>
+            <a:ext cx="5615704" cy="369332"/>
           </a:xfrm>
           <a:prstGeom prst="rect">
             <a:avLst/>
@@ -11029,27 +11201,51 @@
           <a:lstStyle/>
           <a:p>
             <a:r>
-              <a:rPr lang="es-VE" dirty="0" smtClean="0">
-                <a:solidFill>
-                  <a:schemeClr val="bg1"/>
-                </a:solidFill>
-              </a:rPr>
-              <a:t>Repository: </a:t>
-            </a:r>
-            <a:r>
               <a:rPr lang="da-DK" dirty="0" smtClean="0">
-                <a:hlinkClick r:id="rId4"/>
+                <a:solidFill>
+                  <a:srgbClr val="FC2E8B"/>
+                </a:solidFill>
               </a:rPr>
               <a:t>https://github.com/ALandazabal/PyConCo2020-workshop</a:t>
             </a:r>
             <a:endParaRPr lang="da-DK" dirty="0">
               <a:solidFill>
-                <a:schemeClr val="bg1"/>
+                <a:srgbClr val="FC2E8B"/>
               </a:solidFill>
             </a:endParaRPr>
           </a:p>
         </p:txBody>
       </p:sp>
+      <p:pic>
+        <p:nvPicPr>
+          <p:cNvPr id="7" name="Imagen 6" descr="&lt;strong&gt;GitHub&lt;/strong&gt; — Wikipédia"/>
+          <p:cNvPicPr>
+            <a:picLocks noChangeAspect="1"/>
+          </p:cNvPicPr>
+          <p:nvPr/>
+        </p:nvPicPr>
+        <p:blipFill>
+          <a:blip r:embed="rId4" cstate="print">
+            <a:extLst>
+              <a:ext uri="{28A0092B-C50C-407E-A947-70E740481C1C}">
+                <a14:useLocalDpi xmlns:a14="http://schemas.microsoft.com/office/drawing/2010/main" val="0"/>
+              </a:ext>
+            </a:extLst>
+          </a:blip>
+          <a:stretch>
+            <a:fillRect/>
+          </a:stretch>
+        </p:blipFill>
+        <p:spPr>
+          <a:xfrm>
+            <a:off x="1831799" y="6111142"/>
+            <a:ext cx="367308" cy="367308"/>
+          </a:xfrm>
+          <a:prstGeom prst="rect">
+            <a:avLst/>
+          </a:prstGeom>
+        </p:spPr>
+      </p:pic>
     </p:spTree>
   </p:cSld>
   <p:clrMapOvr>

--- a/Angelica Landazabal - PyConCo2020.pptx
+++ b/Angelica Landazabal - PyConCo2020.pptx
@@ -333,7 +333,7 @@
             <a:fld id="{5858ED9B-BE88-4148-BE32-6CCB0FE6727E}" type="datetimeFigureOut">
               <a:rPr lang="da-DK" smtClean="0"/>
               <a:pPr/>
-              <a:t>08-02-2020</a:t>
+              <a:t>09-02-2020</a:t>
             </a:fld>
             <a:endParaRPr lang="da-DK"/>
           </a:p>
@@ -505,7 +505,7 @@
             <a:fld id="{5858ED9B-BE88-4148-BE32-6CCB0FE6727E}" type="datetimeFigureOut">
               <a:rPr lang="da-DK" smtClean="0"/>
               <a:pPr/>
-              <a:t>08-02-2020</a:t>
+              <a:t>09-02-2020</a:t>
             </a:fld>
             <a:endParaRPr lang="da-DK"/>
           </a:p>
@@ -687,7 +687,7 @@
             <a:fld id="{5858ED9B-BE88-4148-BE32-6CCB0FE6727E}" type="datetimeFigureOut">
               <a:rPr lang="da-DK" smtClean="0"/>
               <a:pPr/>
-              <a:t>08-02-2020</a:t>
+              <a:t>09-02-2020</a:t>
             </a:fld>
             <a:endParaRPr lang="da-DK"/>
           </a:p>
@@ -859,7 +859,7 @@
             <a:fld id="{5858ED9B-BE88-4148-BE32-6CCB0FE6727E}" type="datetimeFigureOut">
               <a:rPr lang="da-DK" smtClean="0"/>
               <a:pPr/>
-              <a:t>08-02-2020</a:t>
+              <a:t>09-02-2020</a:t>
             </a:fld>
             <a:endParaRPr lang="da-DK"/>
           </a:p>
@@ -1107,7 +1107,7 @@
             <a:fld id="{5858ED9B-BE88-4148-BE32-6CCB0FE6727E}" type="datetimeFigureOut">
               <a:rPr lang="da-DK" smtClean="0"/>
               <a:pPr/>
-              <a:t>08-02-2020</a:t>
+              <a:t>09-02-2020</a:t>
             </a:fld>
             <a:endParaRPr lang="da-DK"/>
           </a:p>
@@ -1397,7 +1397,7 @@
             <a:fld id="{5858ED9B-BE88-4148-BE32-6CCB0FE6727E}" type="datetimeFigureOut">
               <a:rPr lang="da-DK" smtClean="0"/>
               <a:pPr/>
-              <a:t>08-02-2020</a:t>
+              <a:t>09-02-2020</a:t>
             </a:fld>
             <a:endParaRPr lang="da-DK"/>
           </a:p>
@@ -1821,7 +1821,7 @@
             <a:fld id="{5858ED9B-BE88-4148-BE32-6CCB0FE6727E}" type="datetimeFigureOut">
               <a:rPr lang="da-DK" smtClean="0"/>
               <a:pPr/>
-              <a:t>08-02-2020</a:t>
+              <a:t>09-02-2020</a:t>
             </a:fld>
             <a:endParaRPr lang="da-DK"/>
           </a:p>
@@ -1941,7 +1941,7 @@
             <a:fld id="{5858ED9B-BE88-4148-BE32-6CCB0FE6727E}" type="datetimeFigureOut">
               <a:rPr lang="da-DK" smtClean="0"/>
               <a:pPr/>
-              <a:t>08-02-2020</a:t>
+              <a:t>09-02-2020</a:t>
             </a:fld>
             <a:endParaRPr lang="da-DK"/>
           </a:p>
@@ -2038,7 +2038,7 @@
             <a:fld id="{5858ED9B-BE88-4148-BE32-6CCB0FE6727E}" type="datetimeFigureOut">
               <a:rPr lang="da-DK" smtClean="0"/>
               <a:pPr/>
-              <a:t>08-02-2020</a:t>
+              <a:t>09-02-2020</a:t>
             </a:fld>
             <a:endParaRPr lang="da-DK"/>
           </a:p>
@@ -2317,7 +2317,7 @@
             <a:fld id="{5858ED9B-BE88-4148-BE32-6CCB0FE6727E}" type="datetimeFigureOut">
               <a:rPr lang="da-DK" smtClean="0"/>
               <a:pPr/>
-              <a:t>08-02-2020</a:t>
+              <a:t>09-02-2020</a:t>
             </a:fld>
             <a:endParaRPr lang="da-DK"/>
           </a:p>
@@ -2572,7 +2572,7 @@
             <a:fld id="{5858ED9B-BE88-4148-BE32-6CCB0FE6727E}" type="datetimeFigureOut">
               <a:rPr lang="da-DK" smtClean="0"/>
               <a:pPr/>
-              <a:t>08-02-2020</a:t>
+              <a:t>09-02-2020</a:t>
             </a:fld>
             <a:endParaRPr lang="da-DK"/>
           </a:p>
@@ -2787,7 +2787,7 @@
             <a:fld id="{5858ED9B-BE88-4148-BE32-6CCB0FE6727E}" type="datetimeFigureOut">
               <a:rPr lang="da-DK" smtClean="0"/>
               <a:pPr/>
-              <a:t>08-02-2020</a:t>
+              <a:t>09-02-2020</a:t>
             </a:fld>
             <a:endParaRPr lang="da-DK"/>
           </a:p>
@@ -3886,7 +3886,7 @@
         <p:spPr>
           <a:xfrm>
             <a:off x="457200" y="2244005"/>
-            <a:ext cx="8229600" cy="4065315"/>
+            <a:ext cx="5626968" cy="4065315"/>
           </a:xfrm>
         </p:spPr>
         <p:txBody>
@@ -3969,7 +3969,7 @@
         </p:blipFill>
         <p:spPr bwMode="auto">
           <a:xfrm>
-            <a:off x="6732240" y="4653136"/>
+            <a:off x="6660232" y="4005064"/>
             <a:ext cx="1385721" cy="1124744"/>
           </a:xfrm>
           <a:prstGeom prst="rect">
@@ -4038,35 +4038,6 @@
           </a:p>
         </p:txBody>
       </p:sp>
-      <p:pic>
-        <p:nvPicPr>
-          <p:cNvPr id="7" name="Billede 6" descr="WhatsApp Image 2020-01-27 at 18.59.44.jpeg"/>
-          <p:cNvPicPr>
-            <a:picLocks noChangeAspect="1"/>
-          </p:cNvPicPr>
-          <p:nvPr/>
-        </p:nvPicPr>
-        <p:blipFill>
-          <a:blip r:embed="rId3" cstate="print"/>
-          <a:stretch>
-            <a:fillRect/>
-          </a:stretch>
-        </p:blipFill>
-        <p:spPr>
-          <a:xfrm>
-            <a:off x="1115616" y="4281044"/>
-            <a:ext cx="2775672" cy="2205806"/>
-          </a:xfrm>
-          <a:prstGeom prst="rect">
-            <a:avLst/>
-          </a:prstGeom>
-          <a:ln>
-            <a:solidFill>
-              <a:srgbClr val="FC2E8B"/>
-            </a:solidFill>
-          </a:ln>
-        </p:spPr>
-      </p:pic>
     </p:spTree>
   </p:cSld>
   <p:clrMapOvr>
@@ -5362,8 +5333,8 @@
         </p:nvSpPr>
         <p:spPr>
           <a:xfrm>
-            <a:off x="457200" y="1744217"/>
-            <a:ext cx="8229600" cy="4133055"/>
+            <a:off x="438904" y="1652935"/>
+            <a:ext cx="5915000" cy="4133055"/>
           </a:xfrm>
         </p:spPr>
         <p:txBody>
@@ -5487,7 +5458,7 @@
         </p:nvSpPr>
         <p:spPr>
           <a:xfrm>
-            <a:off x="2411760" y="2492896"/>
+            <a:off x="2411760" y="2708920"/>
             <a:ext cx="3390672" cy="400110"/>
           </a:xfrm>
           <a:prstGeom prst="rect">
@@ -5594,7 +5565,7 @@
         </p:blipFill>
         <p:spPr>
           <a:xfrm>
-            <a:off x="5796136" y="3789040"/>
+            <a:off x="6575664" y="3573016"/>
             <a:ext cx="1794444" cy="1794444"/>
           </a:xfrm>
           <a:prstGeom prst="rect">

--- a/Angelica Landazabal - PyConCo2020.pptx
+++ b/Angelica Landazabal - PyConCo2020.pptx
@@ -334,7 +334,7 @@
             <a:fld id="{5858ED9B-BE88-4148-BE32-6CCB0FE6727E}" type="datetimeFigureOut">
               <a:rPr lang="da-DK" smtClean="0"/>
               <a:pPr/>
-              <a:t>16-06-2020</a:t>
+              <a:t>17-06-2020</a:t>
             </a:fld>
             <a:endParaRPr lang="da-DK"/>
           </a:p>
@@ -504,7 +504,7 @@
             <a:fld id="{5858ED9B-BE88-4148-BE32-6CCB0FE6727E}" type="datetimeFigureOut">
               <a:rPr lang="da-DK" smtClean="0"/>
               <a:pPr/>
-              <a:t>16-06-2020</a:t>
+              <a:t>17-06-2020</a:t>
             </a:fld>
             <a:endParaRPr lang="da-DK"/>
           </a:p>
@@ -684,7 +684,7 @@
             <a:fld id="{5858ED9B-BE88-4148-BE32-6CCB0FE6727E}" type="datetimeFigureOut">
               <a:rPr lang="da-DK" smtClean="0"/>
               <a:pPr/>
-              <a:t>16-06-2020</a:t>
+              <a:t>17-06-2020</a:t>
             </a:fld>
             <a:endParaRPr lang="da-DK"/>
           </a:p>
@@ -854,7 +854,7 @@
             <a:fld id="{5858ED9B-BE88-4148-BE32-6CCB0FE6727E}" type="datetimeFigureOut">
               <a:rPr lang="da-DK" smtClean="0"/>
               <a:pPr/>
-              <a:t>16-06-2020</a:t>
+              <a:t>17-06-2020</a:t>
             </a:fld>
             <a:endParaRPr lang="da-DK"/>
           </a:p>
@@ -1101,7 +1101,7 @@
             <a:fld id="{5858ED9B-BE88-4148-BE32-6CCB0FE6727E}" type="datetimeFigureOut">
               <a:rPr lang="da-DK" smtClean="0"/>
               <a:pPr/>
-              <a:t>16-06-2020</a:t>
+              <a:t>17-06-2020</a:t>
             </a:fld>
             <a:endParaRPr lang="da-DK"/>
           </a:p>
@@ -1388,7 +1388,7 @@
             <a:fld id="{5858ED9B-BE88-4148-BE32-6CCB0FE6727E}" type="datetimeFigureOut">
               <a:rPr lang="da-DK" smtClean="0"/>
               <a:pPr/>
-              <a:t>16-06-2020</a:t>
+              <a:t>17-06-2020</a:t>
             </a:fld>
             <a:endParaRPr lang="da-DK"/>
           </a:p>
@@ -1809,7 +1809,7 @@
             <a:fld id="{5858ED9B-BE88-4148-BE32-6CCB0FE6727E}" type="datetimeFigureOut">
               <a:rPr lang="da-DK" smtClean="0"/>
               <a:pPr/>
-              <a:t>16-06-2020</a:t>
+              <a:t>17-06-2020</a:t>
             </a:fld>
             <a:endParaRPr lang="da-DK"/>
           </a:p>
@@ -1928,7 +1928,7 @@
             <a:fld id="{5858ED9B-BE88-4148-BE32-6CCB0FE6727E}" type="datetimeFigureOut">
               <a:rPr lang="da-DK" smtClean="0"/>
               <a:pPr/>
-              <a:t>16-06-2020</a:t>
+              <a:t>17-06-2020</a:t>
             </a:fld>
             <a:endParaRPr lang="da-DK"/>
           </a:p>
@@ -2025,7 +2025,7 @@
             <a:fld id="{5858ED9B-BE88-4148-BE32-6CCB0FE6727E}" type="datetimeFigureOut">
               <a:rPr lang="da-DK" smtClean="0"/>
               <a:pPr/>
-              <a:t>16-06-2020</a:t>
+              <a:t>17-06-2020</a:t>
             </a:fld>
             <a:endParaRPr lang="da-DK"/>
           </a:p>
@@ -2302,7 +2302,7 @@
             <a:fld id="{5858ED9B-BE88-4148-BE32-6CCB0FE6727E}" type="datetimeFigureOut">
               <a:rPr lang="da-DK" smtClean="0"/>
               <a:pPr/>
-              <a:t>16-06-2020</a:t>
+              <a:t>17-06-2020</a:t>
             </a:fld>
             <a:endParaRPr lang="da-DK"/>
           </a:p>
@@ -2556,7 +2556,7 @@
             <a:fld id="{5858ED9B-BE88-4148-BE32-6CCB0FE6727E}" type="datetimeFigureOut">
               <a:rPr lang="da-DK" smtClean="0"/>
               <a:pPr/>
-              <a:t>16-06-2020</a:t>
+              <a:t>17-06-2020</a:t>
             </a:fld>
             <a:endParaRPr lang="da-DK"/>
           </a:p>
@@ -2769,7 +2769,7 @@
             <a:fld id="{5858ED9B-BE88-4148-BE32-6CCB0FE6727E}" type="datetimeFigureOut">
               <a:rPr lang="da-DK" smtClean="0"/>
               <a:pPr/>
-              <a:t>16-06-2020</a:t>
+              <a:t>17-06-2020</a:t>
             </a:fld>
             <a:endParaRPr lang="da-DK"/>
           </a:p>
@@ -3216,7 +3216,7 @@
                 </a:solidFill>
                 <a:latin typeface="Ubuntu Medium" panose="020B0604030602030204" pitchFamily="34" charset="0"/>
               </a:rPr>
-              <a:t>#PyConCo2020</a:t>
+              <a:t>#PythonPereira</a:t>
             </a:r>
             <a:endParaRPr lang="da-DK" sz="7200" dirty="0">
               <a:solidFill>
